--- a/项目总结.pptx
+++ b/项目总结.pptx
@@ -10972,10 +10972,89 @@
         </p:nvSpPr>
         <p:spPr/>
         <p:txBody>
-          <a:bodyPr/>
+          <a:bodyPr>
+            <a:normAutofit lnSpcReduction="10000"/>
+          </a:bodyPr>
           <a:lstStyle/>
           <a:p>
-            <a:endParaRPr lang="zh-CN" altLang="en-US"/>
+            <a:r>
+              <a:rPr lang="zh-CN" altLang="en-US" dirty="0"/>
+              <a:t>吴联想：</a:t>
+            </a:r>
+            <a:r>
+              <a:rPr lang="en-US" altLang="zh-CN" dirty="0"/>
+              <a:t>G11</a:t>
+            </a:r>
+            <a:r>
+              <a:rPr lang="zh-CN" altLang="en-US" dirty="0"/>
+              <a:t>小组组长，在代码实现中负责管理员模块的实现，同时负责项目部署和每次小组会议记录和整理，在需求分析中负责登录注册模块，在测试中负责用户模块</a:t>
+            </a:r>
+            <a:r>
+              <a:rPr lang="en-US" altLang="zh-CN" dirty="0"/>
+              <a:t>	85</a:t>
+            </a:r>
+            <a:r>
+              <a:rPr lang="zh-CN" altLang="en-US" dirty="0"/>
+              <a:t>分</a:t>
+            </a:r>
+            <a:endParaRPr lang="en-US" altLang="zh-CN" dirty="0"/>
+          </a:p>
+          <a:p>
+            <a:r>
+              <a:rPr lang="zh-CN" altLang="en-US" dirty="0"/>
+              <a:t>王义博：在项目中负责实现登录注册以及个人中心的前后端代码实现，管理员模块的测试，在需求分析和详细设计时主要负责作图和用户模块的伪代码，同时还负责</a:t>
+            </a:r>
+            <a:r>
+              <a:rPr lang="en-US" altLang="zh-CN" dirty="0"/>
+              <a:t>G11</a:t>
+            </a:r>
+            <a:r>
+              <a:rPr lang="zh-CN" altLang="en-US" dirty="0"/>
+              <a:t>小组的</a:t>
+            </a:r>
+            <a:r>
+              <a:rPr lang="en-US" altLang="zh-CN" dirty="0"/>
+              <a:t>PPT</a:t>
+            </a:r>
+            <a:r>
+              <a:rPr lang="zh-CN" altLang="en-US" dirty="0"/>
+              <a:t>制作工作。</a:t>
+            </a:r>
+            <a:r>
+              <a:rPr lang="en-US" altLang="zh-CN" dirty="0"/>
+              <a:t>83</a:t>
+            </a:r>
+            <a:r>
+              <a:rPr lang="zh-CN" altLang="en-US" dirty="0"/>
+              <a:t>分</a:t>
+            </a:r>
+            <a:endParaRPr lang="en-US" altLang="zh-CN" dirty="0"/>
+          </a:p>
+          <a:p>
+            <a:r>
+              <a:rPr lang="zh-CN" altLang="en-US" dirty="0"/>
+              <a:t>郑航舰：在项目中负责实现管理员模块的详细设计（伪代码），除了个人中心，登录、注册模块的非管理员部分的前、后端代码实现，个人中心，登录、注册模块的测试、系统测试；项目计划（</a:t>
+            </a:r>
+            <a:r>
+              <a:rPr lang="en-US" altLang="zh-CN" dirty="0" err="1"/>
+              <a:t>MicrosoftProject</a:t>
+            </a:r>
+            <a:r>
+              <a:rPr lang="zh-CN" altLang="en-US" dirty="0"/>
+              <a:t>）的使用；大小文档的修订。</a:t>
+            </a:r>
+            <a:r>
+              <a:rPr lang="en-US" altLang="zh-CN" dirty="0"/>
+              <a:t>	84</a:t>
+            </a:r>
+            <a:r>
+              <a:rPr lang="zh-CN" altLang="en-US"/>
+              <a:t>分</a:t>
+            </a:r>
+            <a:endParaRPr lang="en-US" altLang="zh-CN" dirty="0"/>
+          </a:p>
+          <a:p>
+            <a:endParaRPr lang="zh-CN" altLang="en-US" dirty="0"/>
           </a:p>
         </p:txBody>
       </p:sp>
